--- a/Figures.pptx
+++ b/Figures.pptx
@@ -108,6 +108,17 @@
       </a:defRPr>
     </a:lvl9pPr>
   </p:defaultTextStyle>
+  <p:extLst>
+    <p:ext uri="{521415D9-36F7-43E2-AB2F-B90AF26B5E84}">
+      <p14:sectionLst xmlns:p14="http://schemas.microsoft.com/office/powerpoint/2010/main">
+        <p14:section name="Hbond" id="{6A3B7D3B-7ED4-4938-8A97-09C9772E688E}">
+          <p14:sldIdLst>
+            <p14:sldId id="256"/>
+          </p14:sldIdLst>
+        </p14:section>
+      </p14:sectionLst>
+    </p:ext>
+  </p:extLst>
 </p:presentation>
 </file>
 
@@ -2830,7 +2841,7 @@
         </p:nvSpPr>
         <p:spPr>
           <a:xfrm>
-            <a:off x="24269947" y="1060326"/>
+            <a:off x="24269947" y="2707776"/>
             <a:ext cx="914400" cy="914400"/>
           </a:xfrm>
           <a:prstGeom prst="rect">
@@ -2839,6 +2850,9 @@
           <a:solidFill>
             <a:srgbClr val="D1C26A"/>
           </a:solidFill>
+          <a:ln>
+            <a:noFill/>
+          </a:ln>
         </p:spPr>
         <p:style>
           <a:lnRef idx="2">
@@ -5780,6 +5794,58 @@
               </a:rPr>
               <a:t>）</a:t>
             </a:r>
+          </a:p>
+        </p:txBody>
+      </p:sp>
+      <p:sp>
+        <p:nvSpPr>
+          <p:cNvPr id="73" name="正方形/長方形 72">
+            <a:extLst>
+              <a:ext uri="{FF2B5EF4-FFF2-40B4-BE49-F238E27FC236}">
+                <a16:creationId xmlns:a16="http://schemas.microsoft.com/office/drawing/2014/main" id="{5ADA6DAC-92C8-BC5F-EDF3-61B537C6E6E6}"/>
+              </a:ext>
+            </a:extLst>
+          </p:cNvPr>
+          <p:cNvSpPr/>
+          <p:nvPr/>
+        </p:nvSpPr>
+        <p:spPr>
+          <a:xfrm>
+            <a:off x="24269947" y="1060326"/>
+            <a:ext cx="914400" cy="914400"/>
+          </a:xfrm>
+          <a:prstGeom prst="rect">
+            <a:avLst/>
+          </a:prstGeom>
+          <a:solidFill>
+            <a:srgbClr val="C8C8C8"/>
+          </a:solidFill>
+          <a:ln>
+            <a:noFill/>
+          </a:ln>
+        </p:spPr>
+        <p:style>
+          <a:lnRef idx="2">
+            <a:schemeClr val="accent1">
+              <a:shade val="15000"/>
+            </a:schemeClr>
+          </a:lnRef>
+          <a:fillRef idx="1">
+            <a:schemeClr val="accent1"/>
+          </a:fillRef>
+          <a:effectRef idx="0">
+            <a:schemeClr val="accent1"/>
+          </a:effectRef>
+          <a:fontRef idx="minor">
+            <a:schemeClr val="lt1"/>
+          </a:fontRef>
+        </p:style>
+        <p:txBody>
+          <a:bodyPr rtlCol="0" anchor="ctr"/>
+          <a:lstStyle/>
+          <a:p>
+            <a:pPr algn="ctr"/>
+            <a:endParaRPr kumimoji="1" lang="ja-JP" altLang="en-US" dirty="0"/>
           </a:p>
         </p:txBody>
       </p:sp>

--- a/Figures.pptx
+++ b/Figures.pptx
@@ -6,10 +6,11 @@
     <p:sldMasterId id="2147483676" r:id="rId2"/>
   </p:sldMasterIdLst>
   <p:notesMasterIdLst>
-    <p:notesMasterId r:id="rId4"/>
+    <p:notesMasterId r:id="rId5"/>
   </p:notesMasterIdLst>
   <p:sldIdLst>
     <p:sldId id="256" r:id="rId3"/>
+    <p:sldId id="257" r:id="rId4"/>
   </p:sldIdLst>
   <p:sldSz cx="35999738" cy="35999738"/>
   <p:notesSz cx="6858000" cy="9144000"/>
@@ -114,6 +115,11 @@
         <p14:section name="Hbond" id="{6A3B7D3B-7ED4-4938-8A97-09C9772E688E}">
           <p14:sldIdLst>
             <p14:sldId id="256"/>
+          </p14:sldIdLst>
+        </p14:section>
+        <p14:section name="H-J" id="{12C275F5-C473-43C4-8924-EA5D0CF2AC31}">
+          <p14:sldIdLst>
+            <p14:sldId id="257"/>
           </p14:sldIdLst>
         </p14:section>
       </p14:sectionLst>
@@ -578,6 +584,114 @@
     <p:extLst>
       <p:ext uri="{BB962C8B-B14F-4D97-AF65-F5344CB8AC3E}">
         <p14:creationId xmlns:p14="http://schemas.microsoft.com/office/powerpoint/2010/main" val="1168622896"/>
+      </p:ext>
+    </p:extLst>
+  </p:cSld>
+  <p:clrMapOvr>
+    <a:masterClrMapping/>
+  </p:clrMapOvr>
+</p:notes>
+</file>
+
+<file path=ppt/notesSlides/notesSlide2.xml><?xml version="1.0" encoding="utf-8"?>
+<p:notes xmlns:a="http://schemas.openxmlformats.org/drawingml/2006/main" xmlns:r="http://schemas.openxmlformats.org/officeDocument/2006/relationships" xmlns:p="http://schemas.openxmlformats.org/presentationml/2006/main">
+  <p:cSld>
+    <p:spTree>
+      <p:nvGrpSpPr>
+        <p:cNvPr id="1" name="">
+          <a:extLst>
+            <a:ext uri="{FF2B5EF4-FFF2-40B4-BE49-F238E27FC236}">
+              <a16:creationId xmlns:a16="http://schemas.microsoft.com/office/drawing/2014/main" id="{8D8DAA81-4FC6-93F4-D491-D80F5566F7F6}"/>
+            </a:ext>
+          </a:extLst>
+        </p:cNvPr>
+        <p:cNvGrpSpPr/>
+        <p:nvPr/>
+      </p:nvGrpSpPr>
+      <p:grpSpPr>
+        <a:xfrm>
+          <a:off x="0" y="0"/>
+          <a:ext cx="0" cy="0"/>
+          <a:chOff x="0" y="0"/>
+          <a:chExt cx="0" cy="0"/>
+        </a:xfrm>
+      </p:grpSpPr>
+      <p:sp>
+        <p:nvSpPr>
+          <p:cNvPr id="2" name="スライド イメージ プレースホルダー 1">
+            <a:extLst>
+              <a:ext uri="{FF2B5EF4-FFF2-40B4-BE49-F238E27FC236}">
+                <a16:creationId xmlns:a16="http://schemas.microsoft.com/office/drawing/2014/main" id="{66613BF8-7041-108A-213A-04AC9B37398C}"/>
+              </a:ext>
+            </a:extLst>
+          </p:cNvPr>
+          <p:cNvSpPr>
+            <a:spLocks noGrp="1" noRot="1" noChangeAspect="1"/>
+          </p:cNvSpPr>
+          <p:nvPr>
+            <p:ph type="sldImg"/>
+          </p:nvPr>
+        </p:nvSpPr>
+        <p:spPr/>
+      </p:sp>
+      <p:sp>
+        <p:nvSpPr>
+          <p:cNvPr id="3" name="ノート プレースホルダー 2">
+            <a:extLst>
+              <a:ext uri="{FF2B5EF4-FFF2-40B4-BE49-F238E27FC236}">
+                <a16:creationId xmlns:a16="http://schemas.microsoft.com/office/drawing/2014/main" id="{BA799444-DB0C-EAFC-68CD-AE323C93194C}"/>
+              </a:ext>
+            </a:extLst>
+          </p:cNvPr>
+          <p:cNvSpPr>
+            <a:spLocks noGrp="1"/>
+          </p:cNvSpPr>
+          <p:nvPr>
+            <p:ph type="body" idx="1"/>
+          </p:nvPr>
+        </p:nvSpPr>
+        <p:spPr/>
+        <p:txBody>
+          <a:bodyPr/>
+          <a:lstStyle/>
+          <a:p>
+            <a:endParaRPr kumimoji="1" lang="ja-JP" altLang="en-US" dirty="0"/>
+          </a:p>
+        </p:txBody>
+      </p:sp>
+      <p:sp>
+        <p:nvSpPr>
+          <p:cNvPr id="4" name="スライド番号プレースホルダー 3">
+            <a:extLst>
+              <a:ext uri="{FF2B5EF4-FFF2-40B4-BE49-F238E27FC236}">
+                <a16:creationId xmlns:a16="http://schemas.microsoft.com/office/drawing/2014/main" id="{117AE5D6-CDDF-5270-8F82-02FDCE61F892}"/>
+              </a:ext>
+            </a:extLst>
+          </p:cNvPr>
+          <p:cNvSpPr>
+            <a:spLocks noGrp="1"/>
+          </p:cNvSpPr>
+          <p:nvPr>
+            <p:ph type="sldNum" sz="quarter" idx="5"/>
+          </p:nvPr>
+        </p:nvSpPr>
+        <p:spPr/>
+        <p:txBody>
+          <a:bodyPr/>
+          <a:lstStyle/>
+          <a:p>
+            <a:fld id="{40579659-011C-471C-82D8-4C9E702979C7}" type="slidenum">
+              <a:rPr kumimoji="1" lang="ja-JP" altLang="en-US" smtClean="0"/>
+              <a:t>2</a:t>
+            </a:fld>
+            <a:endParaRPr kumimoji="1" lang="ja-JP" altLang="en-US"/>
+          </a:p>
+        </p:txBody>
+      </p:sp>
+    </p:spTree>
+    <p:extLst>
+      <p:ext uri="{BB962C8B-B14F-4D97-AF65-F5344CB8AC3E}">
+        <p14:creationId xmlns:p14="http://schemas.microsoft.com/office/powerpoint/2010/main" val="2895519212"/>
       </p:ext>
     </p:extLst>
   </p:cSld>
@@ -2946,7 +3060,7 @@
           <p:nvPr>
             <p:extLst>
               <p:ext uri="{D42A27DB-BD31-4B8C-83A1-F6EECF244321}">
-                <p14:modId xmlns:p14="http://schemas.microsoft.com/office/powerpoint/2010/main" val="4059914965"/>
+                <p14:modId xmlns:p14="http://schemas.microsoft.com/office/powerpoint/2010/main" val="1367189981"/>
               </p:ext>
             </p:extLst>
           </p:nvPr>
@@ -3009,7 +3123,7 @@
           <p:nvPr>
             <p:extLst>
               <p:ext uri="{D42A27DB-BD31-4B8C-83A1-F6EECF244321}">
-                <p14:modId xmlns:p14="http://schemas.microsoft.com/office/powerpoint/2010/main" val="395319273"/>
+                <p14:modId xmlns:p14="http://schemas.microsoft.com/office/powerpoint/2010/main" val="1372380342"/>
               </p:ext>
             </p:extLst>
           </p:nvPr>
@@ -5853,6 +5967,984 @@
     <p:extLst>
       <p:ext uri="{BB962C8B-B14F-4D97-AF65-F5344CB8AC3E}">
         <p14:creationId xmlns:p14="http://schemas.microsoft.com/office/powerpoint/2010/main" val="3798710679"/>
+      </p:ext>
+    </p:extLst>
+  </p:cSld>
+  <p:clrMapOvr>
+    <a:masterClrMapping/>
+  </p:clrMapOvr>
+</p:sld>
+</file>
+
+<file path=ppt/slides/slide2.xml><?xml version="1.0" encoding="utf-8"?>
+<p:sld xmlns:a="http://schemas.openxmlformats.org/drawingml/2006/main" xmlns:r="http://schemas.openxmlformats.org/officeDocument/2006/relationships" xmlns:p="http://schemas.openxmlformats.org/presentationml/2006/main">
+  <p:cSld>
+    <p:bg>
+      <p:bgPr>
+        <a:solidFill>
+          <a:srgbClr val="01002C"/>
+        </a:solidFill>
+        <a:effectLst/>
+      </p:bgPr>
+    </p:bg>
+    <p:spTree>
+      <p:nvGrpSpPr>
+        <p:cNvPr id="1" name="">
+          <a:extLst>
+            <a:ext uri="{FF2B5EF4-FFF2-40B4-BE49-F238E27FC236}">
+              <a16:creationId xmlns:a16="http://schemas.microsoft.com/office/drawing/2014/main" id="{2452F7AB-5550-A311-AE56-6DB10D19A5C6}"/>
+            </a:ext>
+          </a:extLst>
+        </p:cNvPr>
+        <p:cNvGrpSpPr/>
+        <p:nvPr/>
+      </p:nvGrpSpPr>
+      <p:grpSpPr>
+        <a:xfrm>
+          <a:off x="0" y="0"/>
+          <a:ext cx="0" cy="0"/>
+          <a:chOff x="0" y="0"/>
+          <a:chExt cx="0" cy="0"/>
+        </a:xfrm>
+      </p:grpSpPr>
+      <p:sp>
+        <p:nvSpPr>
+          <p:cNvPr id="7" name="正方形/長方形 6">
+            <a:extLst>
+              <a:ext uri="{FF2B5EF4-FFF2-40B4-BE49-F238E27FC236}">
+                <a16:creationId xmlns:a16="http://schemas.microsoft.com/office/drawing/2014/main" id="{CA2B1A61-6212-CB0A-613E-B2E46FCA6DDA}"/>
+              </a:ext>
+            </a:extLst>
+          </p:cNvPr>
+          <p:cNvSpPr/>
+          <p:nvPr/>
+        </p:nvSpPr>
+        <p:spPr>
+          <a:xfrm>
+            <a:off x="24269947" y="2707776"/>
+            <a:ext cx="914400" cy="914400"/>
+          </a:xfrm>
+          <a:prstGeom prst="rect">
+            <a:avLst/>
+          </a:prstGeom>
+          <a:solidFill>
+            <a:srgbClr val="D1C26A"/>
+          </a:solidFill>
+          <a:ln>
+            <a:noFill/>
+          </a:ln>
+        </p:spPr>
+        <p:style>
+          <a:lnRef idx="2">
+            <a:schemeClr val="accent1">
+              <a:shade val="15000"/>
+            </a:schemeClr>
+          </a:lnRef>
+          <a:fillRef idx="1">
+            <a:schemeClr val="accent1"/>
+          </a:fillRef>
+          <a:effectRef idx="0">
+            <a:schemeClr val="accent1"/>
+          </a:effectRef>
+          <a:fontRef idx="minor">
+            <a:schemeClr val="lt1"/>
+          </a:fontRef>
+        </p:style>
+        <p:txBody>
+          <a:bodyPr rtlCol="0" anchor="ctr"/>
+          <a:lstStyle/>
+          <a:p>
+            <a:pPr algn="ctr"/>
+            <a:endParaRPr kumimoji="1" lang="ja-JP" altLang="en-US" dirty="0"/>
+          </a:p>
+        </p:txBody>
+      </p:sp>
+      <p:sp>
+        <p:nvSpPr>
+          <p:cNvPr id="10" name="正方形/長方形 9">
+            <a:extLst>
+              <a:ext uri="{FF2B5EF4-FFF2-40B4-BE49-F238E27FC236}">
+                <a16:creationId xmlns:a16="http://schemas.microsoft.com/office/drawing/2014/main" id="{308C6C5D-2C69-1E6A-1007-E474F075C480}"/>
+              </a:ext>
+            </a:extLst>
+          </p:cNvPr>
+          <p:cNvSpPr/>
+          <p:nvPr/>
+        </p:nvSpPr>
+        <p:spPr>
+          <a:xfrm>
+            <a:off x="13265426" y="-1987826"/>
+            <a:ext cx="9468886" cy="38802365"/>
+          </a:xfrm>
+          <a:prstGeom prst="rect">
+            <a:avLst/>
+          </a:prstGeom>
+          <a:noFill/>
+          <a:ln>
+            <a:solidFill>
+              <a:schemeClr val="bg1"/>
+            </a:solidFill>
+          </a:ln>
+        </p:spPr>
+        <p:style>
+          <a:lnRef idx="2">
+            <a:schemeClr val="accent1">
+              <a:shade val="15000"/>
+            </a:schemeClr>
+          </a:lnRef>
+          <a:fillRef idx="1">
+            <a:schemeClr val="accent1"/>
+          </a:fillRef>
+          <a:effectRef idx="0">
+            <a:schemeClr val="accent1"/>
+          </a:effectRef>
+          <a:fontRef idx="minor">
+            <a:schemeClr val="lt1"/>
+          </a:fontRef>
+        </p:style>
+        <p:txBody>
+          <a:bodyPr rtlCol="0" anchor="ctr"/>
+          <a:lstStyle/>
+          <a:p>
+            <a:pPr algn="ctr"/>
+            <a:endParaRPr kumimoji="1" lang="ja-JP" altLang="en-US"/>
+          </a:p>
+        </p:txBody>
+      </p:sp>
+      <p:sp>
+        <p:nvSpPr>
+          <p:cNvPr id="68" name="テキスト ボックス 67">
+            <a:extLst>
+              <a:ext uri="{FF2B5EF4-FFF2-40B4-BE49-F238E27FC236}">
+                <a16:creationId xmlns:a16="http://schemas.microsoft.com/office/drawing/2014/main" id="{3CA6420C-9017-6616-607A-F09367848F6B}"/>
+              </a:ext>
+            </a:extLst>
+          </p:cNvPr>
+          <p:cNvSpPr txBox="1"/>
+          <p:nvPr/>
+        </p:nvSpPr>
+        <p:spPr>
+          <a:xfrm>
+            <a:off x="14923263" y="3571662"/>
+            <a:ext cx="628377" cy="276999"/>
+          </a:xfrm>
+          <a:prstGeom prst="rect">
+            <a:avLst/>
+          </a:prstGeom>
+          <a:noFill/>
+        </p:spPr>
+        <p:txBody>
+          <a:bodyPr wrap="none" lIns="0" tIns="0" rIns="0" bIns="0" rtlCol="0">
+            <a:spAutoFit/>
+          </a:bodyPr>
+          <a:lstStyle/>
+          <a:p>
+            <a:pPr algn="ctr"/>
+            <a:r>
+              <a:rPr kumimoji="1" lang="en-US" altLang="ja-JP" dirty="0">
+                <a:solidFill>
+                  <a:srgbClr val="C8C8C8"/>
+                </a:solidFill>
+              </a:rPr>
+              <a:t>H</a:t>
+            </a:r>
+            <a:r>
+              <a:rPr kumimoji="1" lang="ja-JP" altLang="en-US" dirty="0">
+                <a:solidFill>
+                  <a:srgbClr val="C8C8C8"/>
+                </a:solidFill>
+              </a:rPr>
+              <a:t>会合</a:t>
+            </a:r>
+          </a:p>
+        </p:txBody>
+      </p:sp>
+      <p:sp>
+        <p:nvSpPr>
+          <p:cNvPr id="73" name="正方形/長方形 72">
+            <a:extLst>
+              <a:ext uri="{FF2B5EF4-FFF2-40B4-BE49-F238E27FC236}">
+                <a16:creationId xmlns:a16="http://schemas.microsoft.com/office/drawing/2014/main" id="{AE5B9EEE-1DF5-D6F7-4921-6234A75EE352}"/>
+              </a:ext>
+            </a:extLst>
+          </p:cNvPr>
+          <p:cNvSpPr/>
+          <p:nvPr/>
+        </p:nvSpPr>
+        <p:spPr>
+          <a:xfrm>
+            <a:off x="24269947" y="1060326"/>
+            <a:ext cx="914400" cy="914400"/>
+          </a:xfrm>
+          <a:prstGeom prst="rect">
+            <a:avLst/>
+          </a:prstGeom>
+          <a:solidFill>
+            <a:srgbClr val="C8C8C8"/>
+          </a:solidFill>
+          <a:ln>
+            <a:noFill/>
+          </a:ln>
+        </p:spPr>
+        <p:style>
+          <a:lnRef idx="2">
+            <a:schemeClr val="accent1">
+              <a:shade val="15000"/>
+            </a:schemeClr>
+          </a:lnRef>
+          <a:fillRef idx="1">
+            <a:schemeClr val="accent1"/>
+          </a:fillRef>
+          <a:effectRef idx="0">
+            <a:schemeClr val="accent1"/>
+          </a:effectRef>
+          <a:fontRef idx="minor">
+            <a:schemeClr val="lt1"/>
+          </a:fontRef>
+        </p:style>
+        <p:txBody>
+          <a:bodyPr rtlCol="0" anchor="ctr"/>
+          <a:lstStyle/>
+          <a:p>
+            <a:pPr algn="ctr"/>
+            <a:endParaRPr kumimoji="1" lang="ja-JP" altLang="en-US" dirty="0"/>
+          </a:p>
+        </p:txBody>
+      </p:sp>
+      <p:grpSp>
+        <p:nvGrpSpPr>
+          <p:cNvPr id="79" name="グループ化 78">
+            <a:extLst>
+              <a:ext uri="{FF2B5EF4-FFF2-40B4-BE49-F238E27FC236}">
+                <a16:creationId xmlns:a16="http://schemas.microsoft.com/office/drawing/2014/main" id="{0D6F54A3-65A8-57B0-72F7-7D39CB9E0B8B}"/>
+              </a:ext>
+            </a:extLst>
+          </p:cNvPr>
+          <p:cNvGrpSpPr/>
+          <p:nvPr/>
+        </p:nvGrpSpPr>
+        <p:grpSpPr>
+          <a:xfrm>
+            <a:off x="13715322" y="1646047"/>
+            <a:ext cx="3058322" cy="1785570"/>
+            <a:chOff x="13715322" y="1646047"/>
+            <a:chExt cx="3058322" cy="1785570"/>
+          </a:xfrm>
+        </p:grpSpPr>
+        <p:grpSp>
+          <p:nvGrpSpPr>
+            <p:cNvPr id="6" name="グループ化 5">
+              <a:extLst>
+                <a:ext uri="{FF2B5EF4-FFF2-40B4-BE49-F238E27FC236}">
+                  <a16:creationId xmlns:a16="http://schemas.microsoft.com/office/drawing/2014/main" id="{1F0F7C33-A42B-75BC-8252-C4C18F19F67A}"/>
+                </a:ext>
+              </a:extLst>
+            </p:cNvPr>
+            <p:cNvGrpSpPr/>
+            <p:nvPr/>
+          </p:nvGrpSpPr>
+          <p:grpSpPr>
+            <a:xfrm rot="16200000">
+              <a:off x="14589837" y="1261874"/>
+              <a:ext cx="1295228" cy="3044258"/>
+              <a:chOff x="14042157" y="1188138"/>
+              <a:chExt cx="797916" cy="1875393"/>
+            </a:xfrm>
+            <a:scene3d>
+              <a:camera prst="orthographicFront">
+                <a:rot lat="0" lon="17399980" rev="0"/>
+              </a:camera>
+              <a:lightRig rig="threePt" dir="t"/>
+            </a:scene3d>
+          </p:grpSpPr>
+          <p:sp>
+            <p:nvSpPr>
+              <p:cNvPr id="8" name="楕円 7">
+                <a:extLst>
+                  <a:ext uri="{FF2B5EF4-FFF2-40B4-BE49-F238E27FC236}">
+                    <a16:creationId xmlns:a16="http://schemas.microsoft.com/office/drawing/2014/main" id="{F67E836D-EBFC-F683-6A6E-D5683623F5D3}"/>
+                  </a:ext>
+                </a:extLst>
+              </p:cNvPr>
+              <p:cNvSpPr/>
+              <p:nvPr/>
+            </p:nvSpPr>
+            <p:spPr>
+              <a:xfrm>
+                <a:off x="14042157" y="1188138"/>
+                <a:ext cx="797916" cy="1875393"/>
+              </a:xfrm>
+              <a:prstGeom prst="ellipse">
+                <a:avLst/>
+              </a:prstGeom>
+              <a:gradFill flip="none" rotWithShape="1">
+                <a:gsLst>
+                  <a:gs pos="100000">
+                    <a:schemeClr val="accent3">
+                      <a:lumMod val="50000"/>
+                    </a:schemeClr>
+                  </a:gs>
+                  <a:gs pos="50000">
+                    <a:schemeClr val="accent3">
+                      <a:lumMod val="75000"/>
+                    </a:schemeClr>
+                  </a:gs>
+                  <a:gs pos="0">
+                    <a:schemeClr val="accent3">
+                      <a:lumMod val="50000"/>
+                    </a:schemeClr>
+                  </a:gs>
+                </a:gsLst>
+                <a:lin ang="5400000" scaled="0"/>
+                <a:tileRect/>
+              </a:gradFill>
+              <a:ln>
+                <a:noFill/>
+              </a:ln>
+              <a:sp3d extrusionH="139700" prstMaterial="powder">
+                <a:bevelT w="25400" h="25400"/>
+                <a:bevelB w="25400" h="38100"/>
+              </a:sp3d>
+            </p:spPr>
+            <p:style>
+              <a:lnRef idx="2">
+                <a:schemeClr val="accent1">
+                  <a:shade val="15000"/>
+                </a:schemeClr>
+              </a:lnRef>
+              <a:fillRef idx="1">
+                <a:schemeClr val="accent1"/>
+              </a:fillRef>
+              <a:effectRef idx="0">
+                <a:schemeClr val="accent1"/>
+              </a:effectRef>
+              <a:fontRef idx="minor">
+                <a:schemeClr val="lt1"/>
+              </a:fontRef>
+            </p:style>
+            <p:txBody>
+              <a:bodyPr rtlCol="0" anchor="ctr"/>
+              <a:lstStyle/>
+              <a:p>
+                <a:pPr algn="ctr"/>
+                <a:endParaRPr kumimoji="1" lang="ja-JP" altLang="en-US"/>
+              </a:p>
+            </p:txBody>
+          </p:sp>
+          <p:sp>
+            <p:nvSpPr>
+              <p:cNvPr id="9" name="矢印: 下 8">
+                <a:extLst>
+                  <a:ext uri="{FF2B5EF4-FFF2-40B4-BE49-F238E27FC236}">
+                    <a16:creationId xmlns:a16="http://schemas.microsoft.com/office/drawing/2014/main" id="{43560005-BA2F-E61F-C49E-A01EF7AAA102}"/>
+                  </a:ext>
+                </a:extLst>
+              </p:cNvPr>
+              <p:cNvSpPr/>
+              <p:nvPr/>
+            </p:nvSpPr>
+            <p:spPr>
+              <a:xfrm rot="10800000">
+                <a:off x="14279630" y="1460062"/>
+                <a:ext cx="322966" cy="1331548"/>
+              </a:xfrm>
+              <a:prstGeom prst="downArrow">
+                <a:avLst>
+                  <a:gd name="adj1" fmla="val 39620"/>
+                  <a:gd name="adj2" fmla="val 145934"/>
+                </a:avLst>
+              </a:prstGeom>
+              <a:solidFill>
+                <a:srgbClr val="C8C8C8"/>
+              </a:solidFill>
+              <a:ln>
+                <a:noFill/>
+              </a:ln>
+              <a:sp3d extrusionH="139700" prstMaterial="powder">
+                <a:bevelT w="25400" h="25400"/>
+                <a:bevelB w="25400" h="38100"/>
+              </a:sp3d>
+            </p:spPr>
+            <p:style>
+              <a:lnRef idx="2">
+                <a:schemeClr val="accent1">
+                  <a:shade val="15000"/>
+                </a:schemeClr>
+              </a:lnRef>
+              <a:fillRef idx="1">
+                <a:schemeClr val="accent1"/>
+              </a:fillRef>
+              <a:effectRef idx="0">
+                <a:schemeClr val="accent1"/>
+              </a:effectRef>
+              <a:fontRef idx="minor">
+                <a:schemeClr val="lt1"/>
+              </a:fontRef>
+            </p:style>
+            <p:txBody>
+              <a:bodyPr rtlCol="0" anchor="ctr"/>
+              <a:lstStyle/>
+              <a:p>
+                <a:pPr algn="ctr"/>
+                <a:endParaRPr kumimoji="1" lang="ja-JP" altLang="en-US" dirty="0"/>
+              </a:p>
+            </p:txBody>
+          </p:sp>
+        </p:grpSp>
+        <p:grpSp>
+          <p:nvGrpSpPr>
+            <p:cNvPr id="4" name="グループ化 3">
+              <a:extLst>
+                <a:ext uri="{FF2B5EF4-FFF2-40B4-BE49-F238E27FC236}">
+                  <a16:creationId xmlns:a16="http://schemas.microsoft.com/office/drawing/2014/main" id="{9E53C1C1-44B2-5E6C-C37E-8575FE88B29A}"/>
+                </a:ext>
+              </a:extLst>
+            </p:cNvPr>
+            <p:cNvGrpSpPr/>
+            <p:nvPr/>
+          </p:nvGrpSpPr>
+          <p:grpSpPr>
+            <a:xfrm rot="16200000">
+              <a:off x="14603904" y="771533"/>
+              <a:ext cx="1295226" cy="3044254"/>
+              <a:chOff x="14042157" y="1188138"/>
+              <a:chExt cx="797916" cy="1875393"/>
+            </a:xfrm>
+            <a:scene3d>
+              <a:camera prst="orthographicFront">
+                <a:rot lat="0" lon="17399980" rev="0"/>
+              </a:camera>
+              <a:lightRig rig="threePt" dir="t"/>
+            </a:scene3d>
+          </p:grpSpPr>
+          <p:sp>
+            <p:nvSpPr>
+              <p:cNvPr id="2" name="楕円 1">
+                <a:extLst>
+                  <a:ext uri="{FF2B5EF4-FFF2-40B4-BE49-F238E27FC236}">
+                    <a16:creationId xmlns:a16="http://schemas.microsoft.com/office/drawing/2014/main" id="{20278B6E-5DA6-8C3F-9187-64738C297767}"/>
+                  </a:ext>
+                </a:extLst>
+              </p:cNvPr>
+              <p:cNvSpPr/>
+              <p:nvPr/>
+            </p:nvSpPr>
+            <p:spPr>
+              <a:xfrm>
+                <a:off x="14042157" y="1188138"/>
+                <a:ext cx="797916" cy="1875393"/>
+              </a:xfrm>
+              <a:prstGeom prst="ellipse">
+                <a:avLst/>
+              </a:prstGeom>
+              <a:gradFill flip="none" rotWithShape="1">
+                <a:gsLst>
+                  <a:gs pos="100000">
+                    <a:schemeClr val="accent3">
+                      <a:lumMod val="50000"/>
+                    </a:schemeClr>
+                  </a:gs>
+                  <a:gs pos="50000">
+                    <a:schemeClr val="accent3">
+                      <a:lumMod val="75000"/>
+                    </a:schemeClr>
+                  </a:gs>
+                  <a:gs pos="0">
+                    <a:schemeClr val="accent3">
+                      <a:lumMod val="50000"/>
+                    </a:schemeClr>
+                  </a:gs>
+                </a:gsLst>
+                <a:lin ang="5400000" scaled="0"/>
+                <a:tileRect/>
+              </a:gradFill>
+              <a:ln>
+                <a:noFill/>
+              </a:ln>
+              <a:sp3d extrusionH="139700" prstMaterial="powder">
+                <a:bevelT w="25400" h="25400"/>
+                <a:bevelB w="25400" h="38100"/>
+              </a:sp3d>
+            </p:spPr>
+            <p:style>
+              <a:lnRef idx="2">
+                <a:schemeClr val="accent1">
+                  <a:shade val="15000"/>
+                </a:schemeClr>
+              </a:lnRef>
+              <a:fillRef idx="1">
+                <a:schemeClr val="accent1"/>
+              </a:fillRef>
+              <a:effectRef idx="0">
+                <a:schemeClr val="accent1"/>
+              </a:effectRef>
+              <a:fontRef idx="minor">
+                <a:schemeClr val="lt1"/>
+              </a:fontRef>
+            </p:style>
+            <p:txBody>
+              <a:bodyPr rtlCol="0" anchor="ctr"/>
+              <a:lstStyle/>
+              <a:p>
+                <a:pPr algn="ctr"/>
+                <a:endParaRPr kumimoji="1" lang="ja-JP" altLang="en-US"/>
+              </a:p>
+            </p:txBody>
+          </p:sp>
+          <p:sp>
+            <p:nvSpPr>
+              <p:cNvPr id="3" name="矢印: 下 2">
+                <a:extLst>
+                  <a:ext uri="{FF2B5EF4-FFF2-40B4-BE49-F238E27FC236}">
+                    <a16:creationId xmlns:a16="http://schemas.microsoft.com/office/drawing/2014/main" id="{BDFE90E2-D7A6-C711-AA2B-8EBDC7D7E19D}"/>
+                  </a:ext>
+                </a:extLst>
+              </p:cNvPr>
+              <p:cNvSpPr/>
+              <p:nvPr/>
+            </p:nvSpPr>
+            <p:spPr>
+              <a:xfrm rot="10800000">
+                <a:off x="14279630" y="1460062"/>
+                <a:ext cx="322966" cy="1331548"/>
+              </a:xfrm>
+              <a:prstGeom prst="downArrow">
+                <a:avLst>
+                  <a:gd name="adj1" fmla="val 39620"/>
+                  <a:gd name="adj2" fmla="val 145934"/>
+                </a:avLst>
+              </a:prstGeom>
+              <a:solidFill>
+                <a:srgbClr val="C8C8C8"/>
+              </a:solidFill>
+              <a:ln>
+                <a:noFill/>
+              </a:ln>
+              <a:sp3d extrusionH="139700" prstMaterial="powder">
+                <a:bevelT w="25400" h="25400"/>
+                <a:bevelB w="25400" h="38100"/>
+              </a:sp3d>
+            </p:spPr>
+            <p:style>
+              <a:lnRef idx="2">
+                <a:schemeClr val="accent1">
+                  <a:shade val="15000"/>
+                </a:schemeClr>
+              </a:lnRef>
+              <a:fillRef idx="1">
+                <a:schemeClr val="accent1"/>
+              </a:fillRef>
+              <a:effectRef idx="0">
+                <a:schemeClr val="accent1"/>
+              </a:effectRef>
+              <a:fontRef idx="minor">
+                <a:schemeClr val="lt1"/>
+              </a:fontRef>
+            </p:style>
+            <p:txBody>
+              <a:bodyPr rtlCol="0" anchor="ctr"/>
+              <a:lstStyle/>
+              <a:p>
+                <a:pPr algn="ctr"/>
+                <a:endParaRPr kumimoji="1" lang="ja-JP" altLang="en-US" dirty="0"/>
+              </a:p>
+            </p:txBody>
+          </p:sp>
+        </p:grpSp>
+      </p:grpSp>
+      <p:grpSp>
+        <p:nvGrpSpPr>
+          <p:cNvPr id="78" name="グループ化 77">
+            <a:extLst>
+              <a:ext uri="{FF2B5EF4-FFF2-40B4-BE49-F238E27FC236}">
+                <a16:creationId xmlns:a16="http://schemas.microsoft.com/office/drawing/2014/main" id="{CCAD23AA-F3D3-E28D-E319-F96AA377054D}"/>
+              </a:ext>
+            </a:extLst>
+          </p:cNvPr>
+          <p:cNvGrpSpPr/>
+          <p:nvPr/>
+        </p:nvGrpSpPr>
+        <p:grpSpPr>
+          <a:xfrm>
+            <a:off x="17653240" y="1646047"/>
+            <a:ext cx="4450152" cy="1785570"/>
+            <a:chOff x="17653240" y="1646047"/>
+            <a:chExt cx="4450152" cy="1785570"/>
+          </a:xfrm>
+        </p:grpSpPr>
+        <p:grpSp>
+          <p:nvGrpSpPr>
+            <p:cNvPr id="56" name="グループ化 55">
+              <a:extLst>
+                <a:ext uri="{FF2B5EF4-FFF2-40B4-BE49-F238E27FC236}">
+                  <a16:creationId xmlns:a16="http://schemas.microsoft.com/office/drawing/2014/main" id="{11F8015B-6B74-5770-B458-69267C63B774}"/>
+                </a:ext>
+              </a:extLst>
+            </p:cNvPr>
+            <p:cNvGrpSpPr/>
+            <p:nvPr/>
+          </p:nvGrpSpPr>
+          <p:grpSpPr>
+            <a:xfrm rot="16200000">
+              <a:off x="18527755" y="1261874"/>
+              <a:ext cx="1295228" cy="3044258"/>
+              <a:chOff x="14042157" y="1188138"/>
+              <a:chExt cx="797916" cy="1875393"/>
+            </a:xfrm>
+            <a:scene3d>
+              <a:camera prst="orthographicFront">
+                <a:rot lat="0" lon="17399980" rev="0"/>
+              </a:camera>
+              <a:lightRig rig="threePt" dir="t"/>
+            </a:scene3d>
+          </p:grpSpPr>
+          <p:sp>
+            <p:nvSpPr>
+              <p:cNvPr id="57" name="楕円 56">
+                <a:extLst>
+                  <a:ext uri="{FF2B5EF4-FFF2-40B4-BE49-F238E27FC236}">
+                    <a16:creationId xmlns:a16="http://schemas.microsoft.com/office/drawing/2014/main" id="{9DFD2525-1196-8571-9D08-3D844A1EFE00}"/>
+                  </a:ext>
+                </a:extLst>
+              </p:cNvPr>
+              <p:cNvSpPr/>
+              <p:nvPr/>
+            </p:nvSpPr>
+            <p:spPr>
+              <a:xfrm>
+                <a:off x="14042157" y="1188138"/>
+                <a:ext cx="797916" cy="1875393"/>
+              </a:xfrm>
+              <a:prstGeom prst="ellipse">
+                <a:avLst/>
+              </a:prstGeom>
+              <a:gradFill flip="none" rotWithShape="1">
+                <a:gsLst>
+                  <a:gs pos="100000">
+                    <a:schemeClr val="accent3">
+                      <a:lumMod val="50000"/>
+                    </a:schemeClr>
+                  </a:gs>
+                  <a:gs pos="50000">
+                    <a:schemeClr val="accent3">
+                      <a:lumMod val="75000"/>
+                    </a:schemeClr>
+                  </a:gs>
+                  <a:gs pos="0">
+                    <a:schemeClr val="accent3">
+                      <a:lumMod val="50000"/>
+                    </a:schemeClr>
+                  </a:gs>
+                </a:gsLst>
+                <a:lin ang="5400000" scaled="0"/>
+                <a:tileRect/>
+              </a:gradFill>
+              <a:ln>
+                <a:noFill/>
+              </a:ln>
+              <a:sp3d extrusionH="139700" prstMaterial="powder">
+                <a:bevelT w="25400" h="25400"/>
+                <a:bevelB w="25400" h="38100"/>
+              </a:sp3d>
+            </p:spPr>
+            <p:style>
+              <a:lnRef idx="2">
+                <a:schemeClr val="accent1">
+                  <a:shade val="15000"/>
+                </a:schemeClr>
+              </a:lnRef>
+              <a:fillRef idx="1">
+                <a:schemeClr val="accent1"/>
+              </a:fillRef>
+              <a:effectRef idx="0">
+                <a:schemeClr val="accent1"/>
+              </a:effectRef>
+              <a:fontRef idx="minor">
+                <a:schemeClr val="lt1"/>
+              </a:fontRef>
+            </p:style>
+            <p:txBody>
+              <a:bodyPr rtlCol="0" anchor="ctr"/>
+              <a:lstStyle/>
+              <a:p>
+                <a:pPr algn="ctr"/>
+                <a:endParaRPr kumimoji="1" lang="ja-JP" altLang="en-US"/>
+              </a:p>
+            </p:txBody>
+          </p:sp>
+          <p:sp>
+            <p:nvSpPr>
+              <p:cNvPr id="69" name="矢印: 下 68">
+                <a:extLst>
+                  <a:ext uri="{FF2B5EF4-FFF2-40B4-BE49-F238E27FC236}">
+                    <a16:creationId xmlns:a16="http://schemas.microsoft.com/office/drawing/2014/main" id="{D47ECD56-47BA-9A5A-6F14-8A89CB4F9C9F}"/>
+                  </a:ext>
+                </a:extLst>
+              </p:cNvPr>
+              <p:cNvSpPr/>
+              <p:nvPr/>
+            </p:nvSpPr>
+            <p:spPr>
+              <a:xfrm rot="10800000">
+                <a:off x="14279630" y="1460062"/>
+                <a:ext cx="322966" cy="1331548"/>
+              </a:xfrm>
+              <a:prstGeom prst="downArrow">
+                <a:avLst>
+                  <a:gd name="adj1" fmla="val 39620"/>
+                  <a:gd name="adj2" fmla="val 145934"/>
+                </a:avLst>
+              </a:prstGeom>
+              <a:solidFill>
+                <a:srgbClr val="C8C8C8"/>
+              </a:solidFill>
+              <a:ln>
+                <a:noFill/>
+              </a:ln>
+              <a:sp3d extrusionH="139700" prstMaterial="powder">
+                <a:bevelT w="25400" h="25400"/>
+                <a:bevelB w="25400" h="38100"/>
+              </a:sp3d>
+            </p:spPr>
+            <p:style>
+              <a:lnRef idx="2">
+                <a:schemeClr val="accent1">
+                  <a:shade val="15000"/>
+                </a:schemeClr>
+              </a:lnRef>
+              <a:fillRef idx="1">
+                <a:schemeClr val="accent1"/>
+              </a:fillRef>
+              <a:effectRef idx="0">
+                <a:schemeClr val="accent1"/>
+              </a:effectRef>
+              <a:fontRef idx="minor">
+                <a:schemeClr val="lt1"/>
+              </a:fontRef>
+            </p:style>
+            <p:txBody>
+              <a:bodyPr rtlCol="0" anchor="ctr"/>
+              <a:lstStyle/>
+              <a:p>
+                <a:pPr algn="ctr"/>
+                <a:endParaRPr kumimoji="1" lang="ja-JP" altLang="en-US" dirty="0"/>
+              </a:p>
+            </p:txBody>
+          </p:sp>
+        </p:grpSp>
+        <p:grpSp>
+          <p:nvGrpSpPr>
+            <p:cNvPr id="74" name="グループ化 73">
+              <a:extLst>
+                <a:ext uri="{FF2B5EF4-FFF2-40B4-BE49-F238E27FC236}">
+                  <a16:creationId xmlns:a16="http://schemas.microsoft.com/office/drawing/2014/main" id="{E292F6E7-731A-D0FE-E248-E7B2B7F52DDD}"/>
+                </a:ext>
+              </a:extLst>
+            </p:cNvPr>
+            <p:cNvGrpSpPr/>
+            <p:nvPr/>
+          </p:nvGrpSpPr>
+          <p:grpSpPr>
+            <a:xfrm rot="16200000">
+              <a:off x="19933652" y="771533"/>
+              <a:ext cx="1295226" cy="3044254"/>
+              <a:chOff x="14042157" y="1188138"/>
+              <a:chExt cx="797916" cy="1875393"/>
+            </a:xfrm>
+            <a:scene3d>
+              <a:camera prst="orthographicFront">
+                <a:rot lat="0" lon="17399980" rev="0"/>
+              </a:camera>
+              <a:lightRig rig="threePt" dir="t"/>
+            </a:scene3d>
+          </p:grpSpPr>
+          <p:sp>
+            <p:nvSpPr>
+              <p:cNvPr id="75" name="楕円 74">
+                <a:extLst>
+                  <a:ext uri="{FF2B5EF4-FFF2-40B4-BE49-F238E27FC236}">
+                    <a16:creationId xmlns:a16="http://schemas.microsoft.com/office/drawing/2014/main" id="{15F76052-A62E-00EB-E6C4-670C27228704}"/>
+                  </a:ext>
+                </a:extLst>
+              </p:cNvPr>
+              <p:cNvSpPr/>
+              <p:nvPr/>
+            </p:nvSpPr>
+            <p:spPr>
+              <a:xfrm>
+                <a:off x="14042157" y="1188138"/>
+                <a:ext cx="797916" cy="1875393"/>
+              </a:xfrm>
+              <a:prstGeom prst="ellipse">
+                <a:avLst/>
+              </a:prstGeom>
+              <a:gradFill flip="none" rotWithShape="1">
+                <a:gsLst>
+                  <a:gs pos="100000">
+                    <a:schemeClr val="accent3">
+                      <a:lumMod val="50000"/>
+                    </a:schemeClr>
+                  </a:gs>
+                  <a:gs pos="50000">
+                    <a:schemeClr val="accent3">
+                      <a:lumMod val="75000"/>
+                    </a:schemeClr>
+                  </a:gs>
+                  <a:gs pos="0">
+                    <a:schemeClr val="accent3">
+                      <a:lumMod val="50000"/>
+                    </a:schemeClr>
+                  </a:gs>
+                </a:gsLst>
+                <a:lin ang="5400000" scaled="0"/>
+                <a:tileRect/>
+              </a:gradFill>
+              <a:ln>
+                <a:noFill/>
+              </a:ln>
+              <a:sp3d extrusionH="139700" prstMaterial="powder">
+                <a:bevelT w="25400" h="25400"/>
+                <a:bevelB w="25400" h="38100"/>
+              </a:sp3d>
+            </p:spPr>
+            <p:style>
+              <a:lnRef idx="2">
+                <a:schemeClr val="accent1">
+                  <a:shade val="15000"/>
+                </a:schemeClr>
+              </a:lnRef>
+              <a:fillRef idx="1">
+                <a:schemeClr val="accent1"/>
+              </a:fillRef>
+              <a:effectRef idx="0">
+                <a:schemeClr val="accent1"/>
+              </a:effectRef>
+              <a:fontRef idx="minor">
+                <a:schemeClr val="lt1"/>
+              </a:fontRef>
+            </p:style>
+            <p:txBody>
+              <a:bodyPr rtlCol="0" anchor="ctr"/>
+              <a:lstStyle/>
+              <a:p>
+                <a:pPr algn="ctr"/>
+                <a:endParaRPr kumimoji="1" lang="ja-JP" altLang="en-US"/>
+              </a:p>
+            </p:txBody>
+          </p:sp>
+          <p:sp>
+            <p:nvSpPr>
+              <p:cNvPr id="76" name="矢印: 下 75">
+                <a:extLst>
+                  <a:ext uri="{FF2B5EF4-FFF2-40B4-BE49-F238E27FC236}">
+                    <a16:creationId xmlns:a16="http://schemas.microsoft.com/office/drawing/2014/main" id="{1BACDFB4-4672-156F-D6DE-BB8EDEB803EF}"/>
+                  </a:ext>
+                </a:extLst>
+              </p:cNvPr>
+              <p:cNvSpPr/>
+              <p:nvPr/>
+            </p:nvSpPr>
+            <p:spPr>
+              <a:xfrm rot="10800000">
+                <a:off x="14279630" y="1460062"/>
+                <a:ext cx="322966" cy="1331548"/>
+              </a:xfrm>
+              <a:prstGeom prst="downArrow">
+                <a:avLst>
+                  <a:gd name="adj1" fmla="val 39620"/>
+                  <a:gd name="adj2" fmla="val 145934"/>
+                </a:avLst>
+              </a:prstGeom>
+              <a:solidFill>
+                <a:srgbClr val="C8C8C8"/>
+              </a:solidFill>
+              <a:ln>
+                <a:noFill/>
+              </a:ln>
+              <a:sp3d extrusionH="139700" prstMaterial="powder">
+                <a:bevelT w="25400" h="25400"/>
+                <a:bevelB w="25400" h="38100"/>
+              </a:sp3d>
+            </p:spPr>
+            <p:style>
+              <a:lnRef idx="2">
+                <a:schemeClr val="accent1">
+                  <a:shade val="15000"/>
+                </a:schemeClr>
+              </a:lnRef>
+              <a:fillRef idx="1">
+                <a:schemeClr val="accent1"/>
+              </a:fillRef>
+              <a:effectRef idx="0">
+                <a:schemeClr val="accent1"/>
+              </a:effectRef>
+              <a:fontRef idx="minor">
+                <a:schemeClr val="lt1"/>
+              </a:fontRef>
+            </p:style>
+            <p:txBody>
+              <a:bodyPr rtlCol="0" anchor="ctr"/>
+              <a:lstStyle/>
+              <a:p>
+                <a:pPr algn="ctr"/>
+                <a:endParaRPr kumimoji="1" lang="ja-JP" altLang="en-US" dirty="0"/>
+              </a:p>
+            </p:txBody>
+          </p:sp>
+        </p:grpSp>
+      </p:grpSp>
+      <p:sp>
+        <p:nvSpPr>
+          <p:cNvPr id="77" name="テキスト ボックス 76">
+            <a:extLst>
+              <a:ext uri="{FF2B5EF4-FFF2-40B4-BE49-F238E27FC236}">
+                <a16:creationId xmlns:a16="http://schemas.microsoft.com/office/drawing/2014/main" id="{3D4CCE86-7756-811B-5C51-7A2817AF9C69}"/>
+              </a:ext>
+            </a:extLst>
+          </p:cNvPr>
+          <p:cNvSpPr txBox="1"/>
+          <p:nvPr/>
+        </p:nvSpPr>
+        <p:spPr>
+          <a:xfrm>
+            <a:off x="19589776" y="3571662"/>
+            <a:ext cx="577082" cy="276999"/>
+          </a:xfrm>
+          <a:prstGeom prst="rect">
+            <a:avLst/>
+          </a:prstGeom>
+          <a:noFill/>
+        </p:spPr>
+        <p:txBody>
+          <a:bodyPr wrap="none" lIns="0" tIns="0" rIns="0" bIns="0" rtlCol="0">
+            <a:spAutoFit/>
+          </a:bodyPr>
+          <a:lstStyle/>
+          <a:p>
+            <a:pPr algn="ctr"/>
+            <a:r>
+              <a:rPr kumimoji="1" lang="en-US" altLang="ja-JP" dirty="0">
+                <a:solidFill>
+                  <a:srgbClr val="C8C8C8"/>
+                </a:solidFill>
+              </a:rPr>
+              <a:t>J</a:t>
+            </a:r>
+            <a:r>
+              <a:rPr kumimoji="1" lang="ja-JP" altLang="en-US" dirty="0">
+                <a:solidFill>
+                  <a:srgbClr val="C8C8C8"/>
+                </a:solidFill>
+              </a:rPr>
+              <a:t>会合</a:t>
+            </a:r>
+          </a:p>
+        </p:txBody>
+      </p:sp>
+    </p:spTree>
+    <p:extLst>
+      <p:ext uri="{BB962C8B-B14F-4D97-AF65-F5344CB8AC3E}">
+        <p14:creationId xmlns:p14="http://schemas.microsoft.com/office/powerpoint/2010/main" val="4184223169"/>
       </p:ext>
     </p:extLst>
   </p:cSld>
